--- a/Ingenious Mavericks-The Blueprint.pptx
+++ b/Ingenious Mavericks-The Blueprint.pptx
@@ -10,6 +10,9 @@
     <p:sldId id="258" r:id="rId4"/>
     <p:sldId id="259" r:id="rId5"/>
     <p:sldId id="260" r:id="rId6"/>
+    <p:sldId id="261" r:id="rId7"/>
+    <p:sldId id="262" r:id="rId8"/>
+    <p:sldId id="263" r:id="rId9"/>
   </p:sldIdLst>
   <p:sldSz cx="12192000" cy="6858000"/>
   <p:notesSz cx="6858000" cy="9144000"/>
@@ -108,7 +111,16 @@
       </a:defRPr>
     </a:lvl9pPr>
   </p:defaultTextStyle>
+  <p:extLst>
+    <p:ext uri="{EFAFB233-063F-42B5-8137-9DF3F51BA10A}">
+      <p15:sldGuideLst xmlns:p15="http://schemas.microsoft.com/office/powerpoint/2012/main"/>
+    </p:ext>
+  </p:extLst>
 </p:presentation>
+</file>
+
+<file path=ppt/revisionInfo.xml><?xml version="1.0" encoding="utf-8"?>
+<p1510:revInfo xmlns:a="http://schemas.openxmlformats.org/drawingml/2006/main" xmlns:r="http://schemas.openxmlformats.org/officeDocument/2006/relationships" xmlns:p1510="http://schemas.microsoft.com/office/powerpoint/2015/10/main"/>
 </file>
 
 <file path=ppt/slideLayouts/slideLayout1.xml><?xml version="1.0" encoding="utf-8"?>
@@ -161,7 +173,7 @@
           <a:noFill/>
           <a:extLst>
             <a:ext uri="{909E8E84-426E-40dd-AFC4-6F175D3DCCD1}">
-              <a14:hiddenFill xmlns:a14="http://schemas.microsoft.com/office/drawing/2010/main" xmlns="">
+              <a14:hiddenFill xmlns="" xmlns:a14="http://schemas.microsoft.com/office/drawing/2010/main">
                 <a:solidFill>
                   <a:srgbClr val="FFFFFF"/>
                 </a:solidFill>
@@ -221,7 +233,7 @@
             </a:ln>
             <a:extLst>
               <a:ext uri="{91240B29-F687-4f45-9708-019B960494DF}">
-                <a14:hiddenLine xmlns:a14="http://schemas.microsoft.com/office/drawing/2010/main" xmlns="" w="9525">
+                <a14:hiddenLine xmlns="" xmlns:a14="http://schemas.microsoft.com/office/drawing/2010/main" w="9525">
                   <a:solidFill>
                     <a:srgbClr val="000000"/>
                   </a:solidFill>
@@ -311,7 +323,7 @@
             </a:ln>
             <a:extLst>
               <a:ext uri="{91240B29-F687-4f45-9708-019B960494DF}">
-                <a14:hiddenLine xmlns:a14="http://schemas.microsoft.com/office/drawing/2010/main" xmlns="" w="9525">
+                <a14:hiddenLine xmlns="" xmlns:a14="http://schemas.microsoft.com/office/drawing/2010/main" w="9525">
                   <a:solidFill>
                     <a:srgbClr val="000000"/>
                   </a:solidFill>
@@ -401,7 +413,7 @@
             </a:ln>
             <a:extLst>
               <a:ext uri="{91240B29-F687-4f45-9708-019B960494DF}">
-                <a14:hiddenLine xmlns:a14="http://schemas.microsoft.com/office/drawing/2010/main" xmlns="" w="9525">
+                <a14:hiddenLine xmlns="" xmlns:a14="http://schemas.microsoft.com/office/drawing/2010/main" w="9525">
                   <a:solidFill>
                     <a:srgbClr val="000000"/>
                   </a:solidFill>
@@ -435,7 +447,7 @@
             </a:ln>
             <a:extLst>
               <a:ext uri="{91240B29-F687-4f45-9708-019B960494DF}">
-                <a14:hiddenLine xmlns:a14="http://schemas.microsoft.com/office/drawing/2010/main" xmlns="" w="9525">
+                <a14:hiddenLine xmlns="" xmlns:a14="http://schemas.microsoft.com/office/drawing/2010/main" w="9525">
                   <a:solidFill>
                     <a:srgbClr val="000000"/>
                   </a:solidFill>
@@ -525,7 +537,7 @@
             </a:ln>
             <a:extLst>
               <a:ext uri="{91240B29-F687-4f45-9708-019B960494DF}">
-                <a14:hiddenLine xmlns:a14="http://schemas.microsoft.com/office/drawing/2010/main" xmlns="" w="9525">
+                <a14:hiddenLine xmlns="" xmlns:a14="http://schemas.microsoft.com/office/drawing/2010/main" w="9525">
                   <a:solidFill>
                     <a:srgbClr val="000000"/>
                   </a:solidFill>
@@ -587,7 +599,7 @@
             </a:ln>
             <a:extLst>
               <a:ext uri="{91240B29-F687-4f45-9708-019B960494DF}">
-                <a14:hiddenLine xmlns:a14="http://schemas.microsoft.com/office/drawing/2010/main" xmlns="" w="9525">
+                <a14:hiddenLine xmlns="" xmlns:a14="http://schemas.microsoft.com/office/drawing/2010/main" w="9525">
                   <a:solidFill>
                     <a:srgbClr val="000000"/>
                   </a:solidFill>
@@ -649,7 +661,7 @@
             </a:ln>
             <a:extLst>
               <a:ext uri="{91240B29-F687-4f45-9708-019B960494DF}">
-                <a14:hiddenLine xmlns:a14="http://schemas.microsoft.com/office/drawing/2010/main" xmlns="" w="9525">
+                <a14:hiddenLine xmlns="" xmlns:a14="http://schemas.microsoft.com/office/drawing/2010/main" w="9525">
                   <a:solidFill>
                     <a:srgbClr val="000000"/>
                   </a:solidFill>
@@ -739,7 +751,7 @@
             </a:ln>
             <a:extLst>
               <a:ext uri="{91240B29-F687-4f45-9708-019B960494DF}">
-                <a14:hiddenLine xmlns:a14="http://schemas.microsoft.com/office/drawing/2010/main" xmlns="" w="9525">
+                <a14:hiddenLine xmlns="" xmlns:a14="http://schemas.microsoft.com/office/drawing/2010/main" w="9525">
                   <a:solidFill>
                     <a:srgbClr val="000000"/>
                   </a:solidFill>
@@ -801,7 +813,7 @@
             </a:ln>
             <a:extLst>
               <a:ext uri="{91240B29-F687-4f45-9708-019B960494DF}">
-                <a14:hiddenLine xmlns:a14="http://schemas.microsoft.com/office/drawing/2010/main" xmlns="" w="9525">
+                <a14:hiddenLine xmlns="" xmlns:a14="http://schemas.microsoft.com/office/drawing/2010/main" w="9525">
                   <a:solidFill>
                     <a:srgbClr val="000000"/>
                   </a:solidFill>
@@ -863,7 +875,7 @@
             </a:ln>
             <a:extLst>
               <a:ext uri="{91240B29-F687-4f45-9708-019B960494DF}">
-                <a14:hiddenLine xmlns:a14="http://schemas.microsoft.com/office/drawing/2010/main" xmlns="" w="9525">
+                <a14:hiddenLine xmlns="" xmlns:a14="http://schemas.microsoft.com/office/drawing/2010/main" w="9525">
                   <a:solidFill>
                     <a:srgbClr val="000000"/>
                   </a:solidFill>
@@ -953,7 +965,7 @@
             </a:ln>
             <a:extLst>
               <a:ext uri="{91240B29-F687-4f45-9708-019B960494DF}">
-                <a14:hiddenLine xmlns:a14="http://schemas.microsoft.com/office/drawing/2010/main" xmlns="" w="9525">
+                <a14:hiddenLine xmlns="" xmlns:a14="http://schemas.microsoft.com/office/drawing/2010/main" w="9525">
                   <a:solidFill>
                     <a:srgbClr val="000000"/>
                   </a:solidFill>
@@ -1043,7 +1055,7 @@
             </a:ln>
             <a:extLst>
               <a:ext uri="{91240B29-F687-4f45-9708-019B960494DF}">
-                <a14:hiddenLine xmlns:a14="http://schemas.microsoft.com/office/drawing/2010/main" xmlns="" w="9525">
+                <a14:hiddenLine xmlns="" xmlns:a14="http://schemas.microsoft.com/office/drawing/2010/main" w="9525">
                   <a:solidFill>
                     <a:srgbClr val="000000"/>
                   </a:solidFill>
@@ -1105,7 +1117,7 @@
             </a:ln>
             <a:extLst>
               <a:ext uri="{91240B29-F687-4f45-9708-019B960494DF}">
-                <a14:hiddenLine xmlns:a14="http://schemas.microsoft.com/office/drawing/2010/main" xmlns="" w="9525">
+                <a14:hiddenLine xmlns="" xmlns:a14="http://schemas.microsoft.com/office/drawing/2010/main" w="9525">
                   <a:solidFill>
                     <a:srgbClr val="000000"/>
                   </a:solidFill>
@@ -1215,7 +1227,7 @@
             </a:ln>
             <a:extLst>
               <a:ext uri="{91240B29-F687-4f45-9708-019B960494DF}">
-                <a14:hiddenLine xmlns:a14="http://schemas.microsoft.com/office/drawing/2010/main" xmlns="" w="9525">
+                <a14:hiddenLine xmlns="" xmlns:a14="http://schemas.microsoft.com/office/drawing/2010/main" w="9525">
                   <a:solidFill>
                     <a:srgbClr val="000000"/>
                   </a:solidFill>
@@ -1277,7 +1289,7 @@
             </a:ln>
             <a:extLst>
               <a:ext uri="{91240B29-F687-4f45-9708-019B960494DF}">
-                <a14:hiddenLine xmlns:a14="http://schemas.microsoft.com/office/drawing/2010/main" xmlns="" w="9525">
+                <a14:hiddenLine xmlns="" xmlns:a14="http://schemas.microsoft.com/office/drawing/2010/main" w="9525">
                   <a:solidFill>
                     <a:srgbClr val="000000"/>
                   </a:solidFill>
@@ -1367,7 +1379,7 @@
             </a:ln>
             <a:extLst>
               <a:ext uri="{91240B29-F687-4f45-9708-019B960494DF}">
-                <a14:hiddenLine xmlns:a14="http://schemas.microsoft.com/office/drawing/2010/main" xmlns="" w="9525">
+                <a14:hiddenLine xmlns="" xmlns:a14="http://schemas.microsoft.com/office/drawing/2010/main" w="9525">
                   <a:solidFill>
                     <a:srgbClr val="000000"/>
                   </a:solidFill>
@@ -1457,7 +1469,7 @@
             </a:ln>
             <a:extLst>
               <a:ext uri="{91240B29-F687-4f45-9708-019B960494DF}">
-                <a14:hiddenLine xmlns:a14="http://schemas.microsoft.com/office/drawing/2010/main" xmlns="" w="9525">
+                <a14:hiddenLine xmlns="" xmlns:a14="http://schemas.microsoft.com/office/drawing/2010/main" w="9525">
                   <a:solidFill>
                     <a:srgbClr val="000000"/>
                   </a:solidFill>
@@ -1519,7 +1531,7 @@
             </a:ln>
             <a:extLst>
               <a:ext uri="{91240B29-F687-4f45-9708-019B960494DF}">
-                <a14:hiddenLine xmlns:a14="http://schemas.microsoft.com/office/drawing/2010/main" xmlns="" w="9525">
+                <a14:hiddenLine xmlns="" xmlns:a14="http://schemas.microsoft.com/office/drawing/2010/main" w="9525">
                   <a:solidFill>
                     <a:srgbClr val="000000"/>
                   </a:solidFill>
@@ -1609,7 +1621,7 @@
             </a:ln>
             <a:extLst>
               <a:ext uri="{91240B29-F687-4f45-9708-019B960494DF}">
-                <a14:hiddenLine xmlns:a14="http://schemas.microsoft.com/office/drawing/2010/main" xmlns="" w="9525">
+                <a14:hiddenLine xmlns="" xmlns:a14="http://schemas.microsoft.com/office/drawing/2010/main" w="9525">
                   <a:solidFill>
                     <a:srgbClr val="000000"/>
                   </a:solidFill>
@@ -1699,7 +1711,7 @@
             </a:ln>
             <a:extLst>
               <a:ext uri="{91240B29-F687-4f45-9708-019B960494DF}">
-                <a14:hiddenLine xmlns:a14="http://schemas.microsoft.com/office/drawing/2010/main" xmlns="" w="9525">
+                <a14:hiddenLine xmlns="" xmlns:a14="http://schemas.microsoft.com/office/drawing/2010/main" w="9525">
                   <a:solidFill>
                     <a:srgbClr val="000000"/>
                   </a:solidFill>
@@ -1755,7 +1767,7 @@
             </a:ln>
             <a:extLst>
               <a:ext uri="{91240B29-F687-4f45-9708-019B960494DF}">
-                <a14:hiddenLine xmlns:a14="http://schemas.microsoft.com/office/drawing/2010/main" xmlns="" w="9525">
+                <a14:hiddenLine xmlns="" xmlns:a14="http://schemas.microsoft.com/office/drawing/2010/main" w="9525">
                   <a:solidFill>
                     <a:srgbClr val="000000"/>
                   </a:solidFill>
@@ -1845,7 +1857,7 @@
             </a:ln>
             <a:extLst>
               <a:ext uri="{91240B29-F687-4f45-9708-019B960494DF}">
-                <a14:hiddenLine xmlns:a14="http://schemas.microsoft.com/office/drawing/2010/main" xmlns="" w="9525">
+                <a14:hiddenLine xmlns="" xmlns:a14="http://schemas.microsoft.com/office/drawing/2010/main" w="9525">
                   <a:solidFill>
                     <a:srgbClr val="000000"/>
                   </a:solidFill>
@@ -1901,7 +1913,7 @@
             </a:ln>
             <a:extLst>
               <a:ext uri="{91240B29-F687-4f45-9708-019B960494DF}">
-                <a14:hiddenLine xmlns:a14="http://schemas.microsoft.com/office/drawing/2010/main" xmlns="" w="9525">
+                <a14:hiddenLine xmlns="" xmlns:a14="http://schemas.microsoft.com/office/drawing/2010/main" w="9525">
                   <a:solidFill>
                     <a:srgbClr val="000000"/>
                   </a:solidFill>
@@ -1991,7 +2003,7 @@
             </a:ln>
             <a:extLst>
               <a:ext uri="{91240B29-F687-4f45-9708-019B960494DF}">
-                <a14:hiddenLine xmlns:a14="http://schemas.microsoft.com/office/drawing/2010/main" xmlns="" w="9525">
+                <a14:hiddenLine xmlns="" xmlns:a14="http://schemas.microsoft.com/office/drawing/2010/main" w="9525">
                   <a:solidFill>
                     <a:srgbClr val="000000"/>
                   </a:solidFill>
@@ -2059,7 +2071,7 @@
             </a:ln>
             <a:extLst>
               <a:ext uri="{91240B29-F687-4f45-9708-019B960494DF}">
-                <a14:hiddenLine xmlns:a14="http://schemas.microsoft.com/office/drawing/2010/main" xmlns="" w="9525">
+                <a14:hiddenLine xmlns="" xmlns:a14="http://schemas.microsoft.com/office/drawing/2010/main" w="9525">
                   <a:solidFill>
                     <a:srgbClr val="000000"/>
                   </a:solidFill>
@@ -2149,7 +2161,7 @@
             </a:ln>
             <a:extLst>
               <a:ext uri="{91240B29-F687-4f45-9708-019B960494DF}">
-                <a14:hiddenLine xmlns:a14="http://schemas.microsoft.com/office/drawing/2010/main" xmlns="" w="9525">
+                <a14:hiddenLine xmlns="" xmlns:a14="http://schemas.microsoft.com/office/drawing/2010/main" w="9525">
                   <a:solidFill>
                     <a:srgbClr val="000000"/>
                   </a:solidFill>
@@ -2217,7 +2229,7 @@
             </a:ln>
             <a:extLst>
               <a:ext uri="{91240B29-F687-4f45-9708-019B960494DF}">
-                <a14:hiddenLine xmlns:a14="http://schemas.microsoft.com/office/drawing/2010/main" xmlns="" w="9525">
+                <a14:hiddenLine xmlns="" xmlns:a14="http://schemas.microsoft.com/office/drawing/2010/main" w="9525">
                   <a:solidFill>
                     <a:srgbClr val="000000"/>
                   </a:solidFill>
@@ -2307,7 +2319,7 @@
             </a:ln>
             <a:extLst>
               <a:ext uri="{91240B29-F687-4f45-9708-019B960494DF}">
-                <a14:hiddenLine xmlns:a14="http://schemas.microsoft.com/office/drawing/2010/main" xmlns="" w="9525">
+                <a14:hiddenLine xmlns="" xmlns:a14="http://schemas.microsoft.com/office/drawing/2010/main" w="9525">
                   <a:solidFill>
                     <a:srgbClr val="000000"/>
                   </a:solidFill>
@@ -2341,7 +2353,7 @@
             </a:ln>
             <a:extLst>
               <a:ext uri="{91240B29-F687-4f45-9708-019B960494DF}">
-                <a14:hiddenLine xmlns:a14="http://schemas.microsoft.com/office/drawing/2010/main" xmlns="" w="9525">
+                <a14:hiddenLine xmlns="" xmlns:a14="http://schemas.microsoft.com/office/drawing/2010/main" w="9525">
                   <a:solidFill>
                     <a:srgbClr val="000000"/>
                   </a:solidFill>
@@ -2431,7 +2443,7 @@
             </a:ln>
             <a:extLst>
               <a:ext uri="{91240B29-F687-4f45-9708-019B960494DF}">
-                <a14:hiddenLine xmlns:a14="http://schemas.microsoft.com/office/drawing/2010/main" xmlns="" w="9525">
+                <a14:hiddenLine xmlns="" xmlns:a14="http://schemas.microsoft.com/office/drawing/2010/main" w="9525">
                   <a:solidFill>
                     <a:srgbClr val="000000"/>
                   </a:solidFill>
@@ -2493,7 +2505,7 @@
             </a:ln>
             <a:extLst>
               <a:ext uri="{91240B29-F687-4f45-9708-019B960494DF}">
-                <a14:hiddenLine xmlns:a14="http://schemas.microsoft.com/office/drawing/2010/main" xmlns="" w="9525">
+                <a14:hiddenLine xmlns="" xmlns:a14="http://schemas.microsoft.com/office/drawing/2010/main" w="9525">
                   <a:solidFill>
                     <a:srgbClr val="000000"/>
                   </a:solidFill>
@@ -2555,7 +2567,7 @@
             </a:ln>
             <a:extLst>
               <a:ext uri="{91240B29-F687-4f45-9708-019B960494DF}">
-                <a14:hiddenLine xmlns:a14="http://schemas.microsoft.com/office/drawing/2010/main" xmlns="" w="9525">
+                <a14:hiddenLine xmlns="" xmlns:a14="http://schemas.microsoft.com/office/drawing/2010/main" w="9525">
                   <a:solidFill>
                     <a:srgbClr val="000000"/>
                   </a:solidFill>
@@ -2645,7 +2657,7 @@
             </a:ln>
             <a:extLst>
               <a:ext uri="{91240B29-F687-4f45-9708-019B960494DF}">
-                <a14:hiddenLine xmlns:a14="http://schemas.microsoft.com/office/drawing/2010/main" xmlns="" w="9525">
+                <a14:hiddenLine xmlns="" xmlns:a14="http://schemas.microsoft.com/office/drawing/2010/main" w="9525">
                   <a:solidFill>
                     <a:srgbClr val="000000"/>
                   </a:solidFill>
@@ -2713,7 +2725,7 @@
             </a:ln>
             <a:extLst>
               <a:ext uri="{91240B29-F687-4f45-9708-019B960494DF}">
-                <a14:hiddenLine xmlns:a14="http://schemas.microsoft.com/office/drawing/2010/main" xmlns="" w="9525">
+                <a14:hiddenLine xmlns="" xmlns:a14="http://schemas.microsoft.com/office/drawing/2010/main" w="9525">
                   <a:solidFill>
                     <a:srgbClr val="000000"/>
                   </a:solidFill>
@@ -2775,7 +2787,7 @@
             </a:ln>
             <a:extLst>
               <a:ext uri="{91240B29-F687-4f45-9708-019B960494DF}">
-                <a14:hiddenLine xmlns:a14="http://schemas.microsoft.com/office/drawing/2010/main" xmlns="" w="9525">
+                <a14:hiddenLine xmlns="" xmlns:a14="http://schemas.microsoft.com/office/drawing/2010/main" w="9525">
                   <a:solidFill>
                     <a:srgbClr val="000000"/>
                   </a:solidFill>
@@ -2865,7 +2877,7 @@
             </a:ln>
             <a:extLst>
               <a:ext uri="{91240B29-F687-4f45-9708-019B960494DF}">
-                <a14:hiddenLine xmlns:a14="http://schemas.microsoft.com/office/drawing/2010/main" xmlns="" w="9525">
+                <a14:hiddenLine xmlns="" xmlns:a14="http://schemas.microsoft.com/office/drawing/2010/main" w="9525">
                   <a:solidFill>
                     <a:srgbClr val="000000"/>
                   </a:solidFill>
@@ -2927,7 +2939,7 @@
             </a:ln>
             <a:extLst>
               <a:ext uri="{91240B29-F687-4f45-9708-019B960494DF}">
-                <a14:hiddenLine xmlns:a14="http://schemas.microsoft.com/office/drawing/2010/main" xmlns="" w="9525">
+                <a14:hiddenLine xmlns="" xmlns:a14="http://schemas.microsoft.com/office/drawing/2010/main" w="9525">
                   <a:solidFill>
                     <a:srgbClr val="000000"/>
                   </a:solidFill>
@@ -3017,7 +3029,7 @@
             </a:ln>
             <a:extLst>
               <a:ext uri="{91240B29-F687-4f45-9708-019B960494DF}">
-                <a14:hiddenLine xmlns:a14="http://schemas.microsoft.com/office/drawing/2010/main" xmlns="" w="9525">
+                <a14:hiddenLine xmlns="" xmlns:a14="http://schemas.microsoft.com/office/drawing/2010/main" w="9525">
                   <a:solidFill>
                     <a:srgbClr val="000000"/>
                   </a:solidFill>
@@ -3079,7 +3091,7 @@
             </a:ln>
             <a:extLst>
               <a:ext uri="{91240B29-F687-4f45-9708-019B960494DF}">
-                <a14:hiddenLine xmlns:a14="http://schemas.microsoft.com/office/drawing/2010/main" xmlns="" w="9525">
+                <a14:hiddenLine xmlns="" xmlns:a14="http://schemas.microsoft.com/office/drawing/2010/main" w="9525">
                   <a:solidFill>
                     <a:srgbClr val="000000"/>
                   </a:solidFill>
@@ -3169,7 +3181,7 @@
             </a:ln>
             <a:extLst>
               <a:ext uri="{91240B29-F687-4f45-9708-019B960494DF}">
-                <a14:hiddenLine xmlns:a14="http://schemas.microsoft.com/office/drawing/2010/main" xmlns="" w="9525">
+                <a14:hiddenLine xmlns="" xmlns:a14="http://schemas.microsoft.com/office/drawing/2010/main" w="9525">
                   <a:solidFill>
                     <a:srgbClr val="000000"/>
                   </a:solidFill>
@@ -3203,7 +3215,7 @@
             </a:ln>
             <a:extLst>
               <a:ext uri="{91240B29-F687-4f45-9708-019B960494DF}">
-                <a14:hiddenLine xmlns:a14="http://schemas.microsoft.com/office/drawing/2010/main" xmlns="" w="9525">
+                <a14:hiddenLine xmlns="" xmlns:a14="http://schemas.microsoft.com/office/drawing/2010/main" w="9525">
                   <a:solidFill>
                     <a:srgbClr val="000000"/>
                   </a:solidFill>
@@ -3268,7 +3280,7 @@
             </a:ln>
             <a:extLst>
               <a:ext uri="{91240B29-F687-4f45-9708-019B960494DF}">
-                <a14:hiddenLine xmlns:a14="http://schemas.microsoft.com/office/drawing/2010/main" xmlns="" w="9525">
+                <a14:hiddenLine xmlns="" xmlns:a14="http://schemas.microsoft.com/office/drawing/2010/main" w="9525">
                   <a:solidFill>
                     <a:srgbClr val="000000"/>
                   </a:solidFill>
@@ -3358,7 +3370,7 @@
             </a:ln>
             <a:extLst>
               <a:ext uri="{91240B29-F687-4f45-9708-019B960494DF}">
-                <a14:hiddenLine xmlns:a14="http://schemas.microsoft.com/office/drawing/2010/main" xmlns="" w="9525">
+                <a14:hiddenLine xmlns="" xmlns:a14="http://schemas.microsoft.com/office/drawing/2010/main" w="9525">
                   <a:solidFill>
                     <a:srgbClr val="000000"/>
                   </a:solidFill>
@@ -3420,7 +3432,7 @@
             </a:ln>
             <a:extLst>
               <a:ext uri="{91240B29-F687-4f45-9708-019B960494DF}">
-                <a14:hiddenLine xmlns:a14="http://schemas.microsoft.com/office/drawing/2010/main" xmlns="" w="9525">
+                <a14:hiddenLine xmlns="" xmlns:a14="http://schemas.microsoft.com/office/drawing/2010/main" w="9525">
                   <a:solidFill>
                     <a:srgbClr val="000000"/>
                   </a:solidFill>
@@ -3510,7 +3522,7 @@
             </a:ln>
             <a:extLst>
               <a:ext uri="{91240B29-F687-4f45-9708-019B960494DF}">
-                <a14:hiddenLine xmlns:a14="http://schemas.microsoft.com/office/drawing/2010/main" xmlns="" w="9525">
+                <a14:hiddenLine xmlns="" xmlns:a14="http://schemas.microsoft.com/office/drawing/2010/main" w="9525">
                   <a:solidFill>
                     <a:srgbClr val="000000"/>
                   </a:solidFill>
@@ -3600,7 +3612,7 @@
             </a:ln>
             <a:extLst>
               <a:ext uri="{91240B29-F687-4f45-9708-019B960494DF}">
-                <a14:hiddenLine xmlns:a14="http://schemas.microsoft.com/office/drawing/2010/main" xmlns="" w="9525">
+                <a14:hiddenLine xmlns="" xmlns:a14="http://schemas.microsoft.com/office/drawing/2010/main" w="9525">
                   <a:solidFill>
                     <a:srgbClr val="000000"/>
                   </a:solidFill>
@@ -3665,7 +3677,7 @@
             </a:ln>
             <a:extLst>
               <a:ext uri="{91240B29-F687-4f45-9708-019B960494DF}">
-                <a14:hiddenLine xmlns:a14="http://schemas.microsoft.com/office/drawing/2010/main" xmlns="" w="9525">
+                <a14:hiddenLine xmlns="" xmlns:a14="http://schemas.microsoft.com/office/drawing/2010/main" w="9525">
                   <a:solidFill>
                     <a:srgbClr val="000000"/>
                   </a:solidFill>
@@ -3727,7 +3739,7 @@
             </a:ln>
             <a:extLst>
               <a:ext uri="{91240B29-F687-4f45-9708-019B960494DF}">
-                <a14:hiddenLine xmlns:a14="http://schemas.microsoft.com/office/drawing/2010/main" xmlns="" w="9525">
+                <a14:hiddenLine xmlns="" xmlns:a14="http://schemas.microsoft.com/office/drawing/2010/main" w="9525">
                   <a:solidFill>
                     <a:srgbClr val="000000"/>
                   </a:solidFill>
@@ -3817,7 +3829,7 @@
             </a:ln>
             <a:extLst>
               <a:ext uri="{91240B29-F687-4f45-9708-019B960494DF}">
-                <a14:hiddenLine xmlns:a14="http://schemas.microsoft.com/office/drawing/2010/main" xmlns="" w="9525">
+                <a14:hiddenLine xmlns="" xmlns:a14="http://schemas.microsoft.com/office/drawing/2010/main" w="9525">
                   <a:solidFill>
                     <a:srgbClr val="000000"/>
                   </a:solidFill>
@@ -3907,7 +3919,7 @@
             </a:ln>
             <a:extLst>
               <a:ext uri="{91240B29-F687-4f45-9708-019B960494DF}">
-                <a14:hiddenLine xmlns:a14="http://schemas.microsoft.com/office/drawing/2010/main" xmlns="" w="9525">
+                <a14:hiddenLine xmlns="" xmlns:a14="http://schemas.microsoft.com/office/drawing/2010/main" w="9525">
                   <a:solidFill>
                     <a:srgbClr val="000000"/>
                   </a:solidFill>
@@ -3969,7 +3981,7 @@
             </a:ln>
             <a:extLst>
               <a:ext uri="{91240B29-F687-4f45-9708-019B960494DF}">
-                <a14:hiddenLine xmlns:a14="http://schemas.microsoft.com/office/drawing/2010/main" xmlns="" w="9525">
+                <a14:hiddenLine xmlns="" xmlns:a14="http://schemas.microsoft.com/office/drawing/2010/main" w="9525">
                   <a:solidFill>
                     <a:srgbClr val="000000"/>
                   </a:solidFill>
@@ -4089,7 +4101,7 @@
             </a:ln>
             <a:extLst>
               <a:ext uri="{91240B29-F687-4f45-9708-019B960494DF}">
-                <a14:hiddenLine xmlns:a14="http://schemas.microsoft.com/office/drawing/2010/main" xmlns="" w="9525">
+                <a14:hiddenLine xmlns="" xmlns:a14="http://schemas.microsoft.com/office/drawing/2010/main" w="9525">
                   <a:solidFill>
                     <a:srgbClr val="000000"/>
                   </a:solidFill>
@@ -4157,7 +4169,7 @@
             </a:ln>
             <a:extLst>
               <a:ext uri="{91240B29-F687-4f45-9708-019B960494DF}">
-                <a14:hiddenLine xmlns:a14="http://schemas.microsoft.com/office/drawing/2010/main" xmlns="" w="9525">
+                <a14:hiddenLine xmlns="" xmlns:a14="http://schemas.microsoft.com/office/drawing/2010/main" w="9525">
                   <a:solidFill>
                     <a:srgbClr val="000000"/>
                   </a:solidFill>
@@ -4247,7 +4259,7 @@
             </a:ln>
             <a:extLst>
               <a:ext uri="{91240B29-F687-4f45-9708-019B960494DF}">
-                <a14:hiddenLine xmlns:a14="http://schemas.microsoft.com/office/drawing/2010/main" xmlns="" w="9525">
+                <a14:hiddenLine xmlns="" xmlns:a14="http://schemas.microsoft.com/office/drawing/2010/main" w="9525">
                   <a:solidFill>
                     <a:srgbClr val="000000"/>
                   </a:solidFill>
@@ -4387,7 +4399,7 @@
           <a:p>
             <a:fld id="{48A87A34-81AB-432B-8DAE-1953F412C126}" type="datetimeFigureOut">
               <a:rPr lang="en-US" dirty="0"/>
-              <a:t>9/25/2017</a:t>
+              <a:t>9/26/2017</a:t>
             </a:fld>
             <a:endParaRPr lang="en-US" dirty="0"/>
           </a:p>
@@ -4649,7 +4661,7 @@
           <a:p>
             <a:fld id="{48A87A34-81AB-432B-8DAE-1953F412C126}" type="datetimeFigureOut">
               <a:rPr lang="en-US" dirty="0"/>
-              <a:t>9/25/2017</a:t>
+              <a:t>9/26/2017</a:t>
             </a:fld>
             <a:endParaRPr lang="en-US" dirty="0"/>
           </a:p>
@@ -4840,7 +4852,7 @@
           <a:p>
             <a:fld id="{48A87A34-81AB-432B-8DAE-1953F412C126}" type="datetimeFigureOut">
               <a:rPr lang="en-US" dirty="0"/>
-              <a:t>9/25/2017</a:t>
+              <a:t>9/26/2017</a:t>
             </a:fld>
             <a:endParaRPr lang="en-US" dirty="0"/>
           </a:p>
@@ -5098,7 +5110,7 @@
           <a:p>
             <a:fld id="{48A87A34-81AB-432B-8DAE-1953F412C126}" type="datetimeFigureOut">
               <a:rPr lang="en-US" dirty="0"/>
-              <a:t>9/25/2017</a:t>
+              <a:t>9/26/2017</a:t>
             </a:fld>
             <a:endParaRPr lang="en-US" dirty="0"/>
           </a:p>
@@ -5527,7 +5539,7 @@
           <a:p>
             <a:fld id="{48A87A34-81AB-432B-8DAE-1953F412C126}" type="datetimeFigureOut">
               <a:rPr lang="en-US" dirty="0"/>
-              <a:t>9/25/2017</a:t>
+              <a:t>9/26/2017</a:t>
             </a:fld>
             <a:endParaRPr lang="en-US" dirty="0"/>
           </a:p>
@@ -6068,7 +6080,7 @@
           <a:p>
             <a:fld id="{48A87A34-81AB-432B-8DAE-1953F412C126}" type="datetimeFigureOut">
               <a:rPr lang="en-US" dirty="0"/>
-              <a:t>9/25/2017</a:t>
+              <a:t>9/26/2017</a:t>
             </a:fld>
             <a:endParaRPr lang="en-US" dirty="0"/>
           </a:p>
@@ -6783,7 +6795,7 @@
           <a:p>
             <a:fld id="{48A87A34-81AB-432B-8DAE-1953F412C126}" type="datetimeFigureOut">
               <a:rPr lang="en-US" dirty="0"/>
-              <a:t>9/25/2017</a:t>
+              <a:t>9/26/2017</a:t>
             </a:fld>
             <a:endParaRPr lang="en-US" dirty="0"/>
           </a:p>
@@ -6948,7 +6960,7 @@
           <a:p>
             <a:fld id="{48A87A34-81AB-432B-8DAE-1953F412C126}" type="datetimeFigureOut">
               <a:rPr lang="en-US" dirty="0"/>
-              <a:t>9/25/2017</a:t>
+              <a:t>9/26/2017</a:t>
             </a:fld>
             <a:endParaRPr lang="en-US" dirty="0"/>
           </a:p>
@@ -7123,7 +7135,7 @@
           <a:p>
             <a:fld id="{48A87A34-81AB-432B-8DAE-1953F412C126}" type="datetimeFigureOut">
               <a:rPr lang="en-US" dirty="0"/>
-              <a:t>9/25/2017</a:t>
+              <a:t>9/26/2017</a:t>
             </a:fld>
             <a:endParaRPr lang="en-US" dirty="0"/>
           </a:p>
@@ -7288,7 +7300,7 @@
           <a:p>
             <a:fld id="{48A87A34-81AB-432B-8DAE-1953F412C126}" type="datetimeFigureOut">
               <a:rPr lang="en-US" dirty="0"/>
-              <a:t>9/25/2017</a:t>
+              <a:t>9/26/2017</a:t>
             </a:fld>
             <a:endParaRPr lang="en-US" dirty="0"/>
           </a:p>
@@ -7533,7 +7545,7 @@
           <a:p>
             <a:fld id="{48A87A34-81AB-432B-8DAE-1953F412C126}" type="datetimeFigureOut">
               <a:rPr lang="en-US" dirty="0"/>
-              <a:t>9/25/2017</a:t>
+              <a:t>9/26/2017</a:t>
             </a:fld>
             <a:endParaRPr lang="en-US" dirty="0"/>
           </a:p>
@@ -7760,7 +7772,7 @@
           <a:p>
             <a:fld id="{48A87A34-81AB-432B-8DAE-1953F412C126}" type="datetimeFigureOut">
               <a:rPr lang="en-US" dirty="0"/>
-              <a:t>9/25/2017</a:t>
+              <a:t>9/26/2017</a:t>
             </a:fld>
             <a:endParaRPr lang="en-US" dirty="0"/>
           </a:p>
@@ -8136,7 +8148,7 @@
           <a:p>
             <a:fld id="{48A87A34-81AB-432B-8DAE-1953F412C126}" type="datetimeFigureOut">
               <a:rPr lang="en-US" dirty="0"/>
-              <a:t>9/25/2017</a:t>
+              <a:t>9/26/2017</a:t>
             </a:fld>
             <a:endParaRPr lang="en-US" dirty="0"/>
           </a:p>
@@ -8249,7 +8261,7 @@
           <a:p>
             <a:fld id="{48A87A34-81AB-432B-8DAE-1953F412C126}" type="datetimeFigureOut">
               <a:rPr lang="en-US" dirty="0"/>
-              <a:t>9/25/2017</a:t>
+              <a:t>9/26/2017</a:t>
             </a:fld>
             <a:endParaRPr lang="en-US" dirty="0"/>
           </a:p>
@@ -8339,7 +8351,7 @@
           <a:p>
             <a:fld id="{48A87A34-81AB-432B-8DAE-1953F412C126}" type="datetimeFigureOut">
               <a:rPr lang="en-US" dirty="0"/>
-              <a:t>9/25/2017</a:t>
+              <a:t>9/26/2017</a:t>
             </a:fld>
             <a:endParaRPr lang="en-US" dirty="0"/>
           </a:p>
@@ -8583,7 +8595,7 @@
           <a:p>
             <a:fld id="{48A87A34-81AB-432B-8DAE-1953F412C126}" type="datetimeFigureOut">
               <a:rPr lang="en-US" dirty="0"/>
-              <a:t>9/25/2017</a:t>
+              <a:t>9/26/2017</a:t>
             </a:fld>
             <a:endParaRPr lang="en-US" dirty="0"/>
           </a:p>
@@ -8858,7 +8870,7 @@
           <a:p>
             <a:fld id="{48A87A34-81AB-432B-8DAE-1953F412C126}" type="datetimeFigureOut">
               <a:rPr lang="en-US" dirty="0"/>
-              <a:t>9/25/2017</a:t>
+              <a:t>9/26/2017</a:t>
             </a:fld>
             <a:endParaRPr lang="en-US" dirty="0"/>
           </a:p>
@@ -8969,7 +8981,7 @@
           <a:noFill/>
           <a:extLst>
             <a:ext uri="{909E8E84-426E-40dd-AFC4-6F175D3DCCD1}">
-              <a14:hiddenFill xmlns:a14="http://schemas.microsoft.com/office/drawing/2010/main" xmlns="">
+              <a14:hiddenFill xmlns="" xmlns:a14="http://schemas.microsoft.com/office/drawing/2010/main">
                 <a:solidFill>
                   <a:srgbClr val="FFFFFF"/>
                 </a:solidFill>
@@ -9043,7 +9055,7 @@
               </a:ln>
               <a:extLst>
                 <a:ext uri="{91240B29-F687-4f45-9708-019B960494DF}">
-                  <a14:hiddenLine xmlns:a14="http://schemas.microsoft.com/office/drawing/2010/main" xmlns="" w="9525">
+                  <a14:hiddenLine xmlns="" xmlns:a14="http://schemas.microsoft.com/office/drawing/2010/main" w="9525">
                     <a:solidFill>
                       <a:srgbClr val="000000"/>
                     </a:solidFill>
@@ -9133,7 +9145,7 @@
               </a:ln>
               <a:extLst>
                 <a:ext uri="{91240B29-F687-4f45-9708-019B960494DF}">
-                  <a14:hiddenLine xmlns:a14="http://schemas.microsoft.com/office/drawing/2010/main" xmlns="" w="9525">
+                  <a14:hiddenLine xmlns="" xmlns:a14="http://schemas.microsoft.com/office/drawing/2010/main" w="9525">
                     <a:solidFill>
                       <a:srgbClr val="000000"/>
                     </a:solidFill>
@@ -9223,7 +9235,7 @@
               </a:ln>
               <a:extLst>
                 <a:ext uri="{91240B29-F687-4f45-9708-019B960494DF}">
-                  <a14:hiddenLine xmlns:a14="http://schemas.microsoft.com/office/drawing/2010/main" xmlns="" w="9525">
+                  <a14:hiddenLine xmlns="" xmlns:a14="http://schemas.microsoft.com/office/drawing/2010/main" w="9525">
                     <a:solidFill>
                       <a:srgbClr val="000000"/>
                     </a:solidFill>
@@ -9285,7 +9297,7 @@
               </a:ln>
               <a:extLst>
                 <a:ext uri="{91240B29-F687-4f45-9708-019B960494DF}">
-                  <a14:hiddenLine xmlns:a14="http://schemas.microsoft.com/office/drawing/2010/main" xmlns="" w="9525">
+                  <a14:hiddenLine xmlns="" xmlns:a14="http://schemas.microsoft.com/office/drawing/2010/main" w="9525">
                     <a:solidFill>
                       <a:srgbClr val="000000"/>
                     </a:solidFill>
@@ -9375,7 +9387,7 @@
               </a:ln>
               <a:extLst>
                 <a:ext uri="{91240B29-F687-4f45-9708-019B960494DF}">
-                  <a14:hiddenLine xmlns:a14="http://schemas.microsoft.com/office/drawing/2010/main" xmlns="" w="9525">
+                  <a14:hiddenLine xmlns="" xmlns:a14="http://schemas.microsoft.com/office/drawing/2010/main" w="9525">
                     <a:solidFill>
                       <a:srgbClr val="000000"/>
                     </a:solidFill>
@@ -9437,7 +9449,7 @@
               </a:ln>
               <a:extLst>
                 <a:ext uri="{91240B29-F687-4f45-9708-019B960494DF}">
-                  <a14:hiddenLine xmlns:a14="http://schemas.microsoft.com/office/drawing/2010/main" xmlns="" w="9525">
+                  <a14:hiddenLine xmlns="" xmlns:a14="http://schemas.microsoft.com/office/drawing/2010/main" w="9525">
                     <a:solidFill>
                       <a:srgbClr val="000000"/>
                     </a:solidFill>
@@ -9499,7 +9511,7 @@
               </a:ln>
               <a:extLst>
                 <a:ext uri="{91240B29-F687-4f45-9708-019B960494DF}">
-                  <a14:hiddenLine xmlns:a14="http://schemas.microsoft.com/office/drawing/2010/main" xmlns="" w="9525">
+                  <a14:hiddenLine xmlns="" xmlns:a14="http://schemas.microsoft.com/office/drawing/2010/main" w="9525">
                     <a:solidFill>
                       <a:srgbClr val="000000"/>
                     </a:solidFill>
@@ -9589,7 +9601,7 @@
               </a:ln>
               <a:extLst>
                 <a:ext uri="{91240B29-F687-4f45-9708-019B960494DF}">
-                  <a14:hiddenLine xmlns:a14="http://schemas.microsoft.com/office/drawing/2010/main" xmlns="" w="9525">
+                  <a14:hiddenLine xmlns="" xmlns:a14="http://schemas.microsoft.com/office/drawing/2010/main" w="9525">
                     <a:solidFill>
                       <a:srgbClr val="000000"/>
                     </a:solidFill>
@@ -9679,7 +9691,7 @@
               </a:ln>
               <a:extLst>
                 <a:ext uri="{91240B29-F687-4f45-9708-019B960494DF}">
-                  <a14:hiddenLine xmlns:a14="http://schemas.microsoft.com/office/drawing/2010/main" xmlns="" w="9525">
+                  <a14:hiddenLine xmlns="" xmlns:a14="http://schemas.microsoft.com/office/drawing/2010/main" w="9525">
                     <a:solidFill>
                       <a:srgbClr val="000000"/>
                     </a:solidFill>
@@ -9741,7 +9753,7 @@
               </a:ln>
               <a:extLst>
                 <a:ext uri="{91240B29-F687-4f45-9708-019B960494DF}">
-                  <a14:hiddenLine xmlns:a14="http://schemas.microsoft.com/office/drawing/2010/main" xmlns="" w="9525">
+                  <a14:hiddenLine xmlns="" xmlns:a14="http://schemas.microsoft.com/office/drawing/2010/main" w="9525">
                     <a:solidFill>
                       <a:srgbClr val="000000"/>
                     </a:solidFill>
@@ -9851,7 +9863,7 @@
               </a:ln>
               <a:extLst>
                 <a:ext uri="{91240B29-F687-4f45-9708-019B960494DF}">
-                  <a14:hiddenLine xmlns:a14="http://schemas.microsoft.com/office/drawing/2010/main" xmlns="" w="9525">
+                  <a14:hiddenLine xmlns="" xmlns:a14="http://schemas.microsoft.com/office/drawing/2010/main" w="9525">
                     <a:solidFill>
                       <a:srgbClr val="000000"/>
                     </a:solidFill>
@@ -9935,7 +9947,7 @@
               </a:ln>
               <a:extLst>
                 <a:ext uri="{91240B29-F687-4f45-9708-019B960494DF}">
-                  <a14:hiddenLine xmlns:a14="http://schemas.microsoft.com/office/drawing/2010/main" xmlns="" w="9525">
+                  <a14:hiddenLine xmlns="" xmlns:a14="http://schemas.microsoft.com/office/drawing/2010/main" w="9525">
                     <a:solidFill>
                       <a:srgbClr val="000000"/>
                     </a:solidFill>
@@ -9997,7 +10009,7 @@
               </a:ln>
               <a:extLst>
                 <a:ext uri="{91240B29-F687-4f45-9708-019B960494DF}">
-                  <a14:hiddenLine xmlns:a14="http://schemas.microsoft.com/office/drawing/2010/main" xmlns="" w="9525">
+                  <a14:hiddenLine xmlns="" xmlns:a14="http://schemas.microsoft.com/office/drawing/2010/main" w="9525">
                     <a:solidFill>
                       <a:srgbClr val="000000"/>
                     </a:solidFill>
@@ -10059,7 +10071,7 @@
               </a:ln>
               <a:extLst>
                 <a:ext uri="{91240B29-F687-4f45-9708-019B960494DF}">
-                  <a14:hiddenLine xmlns:a14="http://schemas.microsoft.com/office/drawing/2010/main" xmlns="" w="9525">
+                  <a14:hiddenLine xmlns="" xmlns:a14="http://schemas.microsoft.com/office/drawing/2010/main" w="9525">
                     <a:solidFill>
                       <a:srgbClr val="000000"/>
                     </a:solidFill>
@@ -10149,7 +10161,7 @@
               </a:ln>
               <a:extLst>
                 <a:ext uri="{91240B29-F687-4f45-9708-019B960494DF}">
-                  <a14:hiddenLine xmlns:a14="http://schemas.microsoft.com/office/drawing/2010/main" xmlns="" w="9525">
+                  <a14:hiddenLine xmlns="" xmlns:a14="http://schemas.microsoft.com/office/drawing/2010/main" w="9525">
                     <a:solidFill>
                       <a:srgbClr val="000000"/>
                     </a:solidFill>
@@ -10183,7 +10195,7 @@
               </a:ln>
               <a:extLst>
                 <a:ext uri="{91240B29-F687-4f45-9708-019B960494DF}">
-                  <a14:hiddenLine xmlns:a14="http://schemas.microsoft.com/office/drawing/2010/main" xmlns="" w="9525">
+                  <a14:hiddenLine xmlns="" xmlns:a14="http://schemas.microsoft.com/office/drawing/2010/main" w="9525">
                     <a:solidFill>
                       <a:srgbClr val="000000"/>
                     </a:solidFill>
@@ -10248,7 +10260,7 @@
               </a:ln>
               <a:extLst>
                 <a:ext uri="{91240B29-F687-4f45-9708-019B960494DF}">
-                  <a14:hiddenLine xmlns:a14="http://schemas.microsoft.com/office/drawing/2010/main" xmlns="" w="9525">
+                  <a14:hiddenLine xmlns="" xmlns:a14="http://schemas.microsoft.com/office/drawing/2010/main" w="9525">
                     <a:solidFill>
                       <a:srgbClr val="000000"/>
                     </a:solidFill>
@@ -10338,7 +10350,7 @@
               </a:ln>
               <a:extLst>
                 <a:ext uri="{91240B29-F687-4f45-9708-019B960494DF}">
-                  <a14:hiddenLine xmlns:a14="http://schemas.microsoft.com/office/drawing/2010/main" xmlns="" w="9525">
+                  <a14:hiddenLine xmlns="" xmlns:a14="http://schemas.microsoft.com/office/drawing/2010/main" w="9525">
                     <a:solidFill>
                       <a:srgbClr val="000000"/>
                     </a:solidFill>
@@ -10400,7 +10412,7 @@
               </a:ln>
               <a:extLst>
                 <a:ext uri="{91240B29-F687-4f45-9708-019B960494DF}">
-                  <a14:hiddenLine xmlns:a14="http://schemas.microsoft.com/office/drawing/2010/main" xmlns="" w="9525">
+                  <a14:hiddenLine xmlns="" xmlns:a14="http://schemas.microsoft.com/office/drawing/2010/main" w="9525">
                     <a:solidFill>
                       <a:srgbClr val="000000"/>
                     </a:solidFill>
@@ -10490,7 +10502,7 @@
               </a:ln>
               <a:extLst>
                 <a:ext uri="{91240B29-F687-4f45-9708-019B960494DF}">
-                  <a14:hiddenLine xmlns:a14="http://schemas.microsoft.com/office/drawing/2010/main" xmlns="" w="9525">
+                  <a14:hiddenLine xmlns="" xmlns:a14="http://schemas.microsoft.com/office/drawing/2010/main" w="9525">
                     <a:solidFill>
                       <a:srgbClr val="000000"/>
                     </a:solidFill>
@@ -10555,7 +10567,7 @@
               </a:ln>
               <a:extLst>
                 <a:ext uri="{91240B29-F687-4f45-9708-019B960494DF}">
-                  <a14:hiddenLine xmlns:a14="http://schemas.microsoft.com/office/drawing/2010/main" xmlns="" w="9525">
+                  <a14:hiddenLine xmlns="" xmlns:a14="http://schemas.microsoft.com/office/drawing/2010/main" w="9525">
                     <a:solidFill>
                       <a:srgbClr val="000000"/>
                     </a:solidFill>
@@ -10617,7 +10629,7 @@
               </a:ln>
               <a:extLst>
                 <a:ext uri="{91240B29-F687-4f45-9708-019B960494DF}">
-                  <a14:hiddenLine xmlns:a14="http://schemas.microsoft.com/office/drawing/2010/main" xmlns="" w="9525">
+                  <a14:hiddenLine xmlns="" xmlns:a14="http://schemas.microsoft.com/office/drawing/2010/main" w="9525">
                     <a:solidFill>
                       <a:srgbClr val="000000"/>
                     </a:solidFill>
@@ -10707,7 +10719,7 @@
               </a:ln>
               <a:extLst>
                 <a:ext uri="{91240B29-F687-4f45-9708-019B960494DF}">
-                  <a14:hiddenLine xmlns:a14="http://schemas.microsoft.com/office/drawing/2010/main" xmlns="" w="9525">
+                  <a14:hiddenLine xmlns="" xmlns:a14="http://schemas.microsoft.com/office/drawing/2010/main" w="9525">
                     <a:solidFill>
                       <a:srgbClr val="000000"/>
                     </a:solidFill>
@@ -10797,7 +10809,7 @@
               </a:ln>
               <a:extLst>
                 <a:ext uri="{91240B29-F687-4f45-9708-019B960494DF}">
-                  <a14:hiddenLine xmlns:a14="http://schemas.microsoft.com/office/drawing/2010/main" xmlns="" w="9525">
+                  <a14:hiddenLine xmlns="" xmlns:a14="http://schemas.microsoft.com/office/drawing/2010/main" w="9525">
                     <a:solidFill>
                       <a:srgbClr val="000000"/>
                     </a:solidFill>
@@ -10862,7 +10874,7 @@
               </a:ln>
               <a:extLst>
                 <a:ext uri="{91240B29-F687-4f45-9708-019B960494DF}">
-                  <a14:hiddenLine xmlns:a14="http://schemas.microsoft.com/office/drawing/2010/main" xmlns="" w="9525">
+                  <a14:hiddenLine xmlns="" xmlns:a14="http://schemas.microsoft.com/office/drawing/2010/main" w="9525">
                     <a:solidFill>
                       <a:srgbClr val="000000"/>
                     </a:solidFill>
@@ -10982,7 +10994,7 @@
               </a:ln>
               <a:extLst>
                 <a:ext uri="{91240B29-F687-4f45-9708-019B960494DF}">
-                  <a14:hiddenLine xmlns:a14="http://schemas.microsoft.com/office/drawing/2010/main" xmlns="" w="9525">
+                  <a14:hiddenLine xmlns="" xmlns:a14="http://schemas.microsoft.com/office/drawing/2010/main" w="9525">
                     <a:solidFill>
                       <a:srgbClr val="000000"/>
                     </a:solidFill>
@@ -11080,7 +11092,7 @@
               </a:ln>
               <a:extLst>
                 <a:ext uri="{91240B29-F687-4f45-9708-019B960494DF}">
-                  <a14:hiddenLine xmlns:a14="http://schemas.microsoft.com/office/drawing/2010/main" xmlns="" w="9525">
+                  <a14:hiddenLine xmlns="" xmlns:a14="http://schemas.microsoft.com/office/drawing/2010/main" w="9525">
                     <a:solidFill>
                       <a:srgbClr val="000000"/>
                     </a:solidFill>
@@ -11195,7 +11207,7 @@
               </a:ln>
               <a:extLst>
                 <a:ext uri="{91240B29-F687-4f45-9708-019B960494DF}">
-                  <a14:hiddenLine xmlns:a14="http://schemas.microsoft.com/office/drawing/2010/main" xmlns="" w="9525">
+                  <a14:hiddenLine xmlns="" xmlns:a14="http://schemas.microsoft.com/office/drawing/2010/main" w="9525">
                     <a:solidFill>
                       <a:srgbClr val="000000"/>
                     </a:solidFill>
@@ -11285,7 +11297,7 @@
               </a:ln>
               <a:extLst>
                 <a:ext uri="{91240B29-F687-4f45-9708-019B960494DF}">
-                  <a14:hiddenLine xmlns:a14="http://schemas.microsoft.com/office/drawing/2010/main" xmlns="" w="9525">
+                  <a14:hiddenLine xmlns="" xmlns:a14="http://schemas.microsoft.com/office/drawing/2010/main" w="9525">
                     <a:solidFill>
                       <a:srgbClr val="000000"/>
                     </a:solidFill>
@@ -11350,7 +11362,7 @@
               </a:ln>
               <a:extLst>
                 <a:ext uri="{91240B29-F687-4f45-9708-019B960494DF}">
-                  <a14:hiddenLine xmlns:a14="http://schemas.microsoft.com/office/drawing/2010/main" xmlns="" w="9525">
+                  <a14:hiddenLine xmlns="" xmlns:a14="http://schemas.microsoft.com/office/drawing/2010/main" w="9525">
                     <a:solidFill>
                       <a:srgbClr val="000000"/>
                     </a:solidFill>
@@ -11440,7 +11452,7 @@
               </a:ln>
               <a:extLst>
                 <a:ext uri="{91240B29-F687-4f45-9708-019B960494DF}">
-                  <a14:hiddenLine xmlns:a14="http://schemas.microsoft.com/office/drawing/2010/main" xmlns="" w="9525">
+                  <a14:hiddenLine xmlns="" xmlns:a14="http://schemas.microsoft.com/office/drawing/2010/main" w="9525">
                     <a:solidFill>
                       <a:srgbClr val="000000"/>
                     </a:solidFill>
@@ -11508,7 +11520,7 @@
               </a:ln>
               <a:extLst>
                 <a:ext uri="{91240B29-F687-4f45-9708-019B960494DF}">
-                  <a14:hiddenLine xmlns:a14="http://schemas.microsoft.com/office/drawing/2010/main" xmlns="" w="9525">
+                  <a14:hiddenLine xmlns="" xmlns:a14="http://schemas.microsoft.com/office/drawing/2010/main" w="9525">
                     <a:solidFill>
                       <a:srgbClr val="000000"/>
                     </a:solidFill>
@@ -11598,7 +11610,7 @@
               </a:ln>
               <a:extLst>
                 <a:ext uri="{91240B29-F687-4f45-9708-019B960494DF}">
-                  <a14:hiddenLine xmlns:a14="http://schemas.microsoft.com/office/drawing/2010/main" xmlns="" w="9525">
+                  <a14:hiddenLine xmlns="" xmlns:a14="http://schemas.microsoft.com/office/drawing/2010/main" w="9525">
                     <a:solidFill>
                       <a:srgbClr val="000000"/>
                     </a:solidFill>
@@ -11666,7 +11678,7 @@
               </a:ln>
               <a:extLst>
                 <a:ext uri="{91240B29-F687-4f45-9708-019B960494DF}">
-                  <a14:hiddenLine xmlns:a14="http://schemas.microsoft.com/office/drawing/2010/main" xmlns="" w="9525">
+                  <a14:hiddenLine xmlns="" xmlns:a14="http://schemas.microsoft.com/office/drawing/2010/main" w="9525">
                     <a:solidFill>
                       <a:srgbClr val="000000"/>
                     </a:solidFill>
@@ -11756,7 +11768,7 @@
               </a:ln>
               <a:extLst>
                 <a:ext uri="{91240B29-F687-4f45-9708-019B960494DF}">
-                  <a14:hiddenLine xmlns:a14="http://schemas.microsoft.com/office/drawing/2010/main" xmlns="" w="9525">
+                  <a14:hiddenLine xmlns="" xmlns:a14="http://schemas.microsoft.com/office/drawing/2010/main" w="9525">
                     <a:solidFill>
                       <a:srgbClr val="000000"/>
                     </a:solidFill>
@@ -11790,7 +11802,7 @@
               </a:ln>
               <a:extLst>
                 <a:ext uri="{91240B29-F687-4f45-9708-019B960494DF}">
-                  <a14:hiddenLine xmlns:a14="http://schemas.microsoft.com/office/drawing/2010/main" xmlns="" w="9525">
+                  <a14:hiddenLine xmlns="" xmlns:a14="http://schemas.microsoft.com/office/drawing/2010/main" w="9525">
                     <a:solidFill>
                       <a:srgbClr val="000000"/>
                     </a:solidFill>
@@ -11931,7 +11943,7 @@
             <a:fld id="{48A87A34-81AB-432B-8DAE-1953F412C126}" type="datetimeFigureOut">
               <a:rPr lang="en-US" dirty="0"/>
               <a:pPr/>
-              <a:t>9/25/2017</a:t>
+              <a:t>9/26/2017</a:t>
             </a:fld>
             <a:endParaRPr lang="en-US" dirty="0"/>
           </a:p>
@@ -12667,7 +12679,7 @@
         </p:spPr>
         <p:txBody>
           <a:bodyPr>
-            <a:normAutofit fontScale="70000" lnSpcReduction="20000"/>
+            <a:normAutofit/>
           </a:bodyPr>
           <a:lstStyle/>
           <a:p>
@@ -12737,42 +12749,6 @@
             <a:r>
               <a:rPr lang="en-US" dirty="0"/>
               <a:t>	4.Year of Graduation </a:t>
-            </a:r>
-          </a:p>
-          <a:p>
-            <a:pPr marL="0" indent="0">
-              <a:buNone/>
-            </a:pPr>
-            <a:r>
-              <a:rPr lang="en-US" dirty="0"/>
-              <a:t>Information Collected for Sign- Up( Professors)- </a:t>
-            </a:r>
-          </a:p>
-          <a:p>
-            <a:pPr marL="0" indent="0">
-              <a:buNone/>
-            </a:pPr>
-            <a:r>
-              <a:rPr lang="en-US" dirty="0"/>
-              <a:t>	1.Name</a:t>
-            </a:r>
-          </a:p>
-          <a:p>
-            <a:pPr marL="0" indent="0">
-              <a:buNone/>
-            </a:pPr>
-            <a:r>
-              <a:rPr lang="en-US" dirty="0"/>
-              <a:t>	2.Department</a:t>
-            </a:r>
-          </a:p>
-          <a:p>
-            <a:pPr marL="0" indent="0">
-              <a:buNone/>
-            </a:pPr>
-            <a:r>
-              <a:rPr lang="en-US" dirty="0"/>
-              <a:t>	3.Designation</a:t>
             </a:r>
           </a:p>
           <a:p>
@@ -12898,7 +12874,7 @@
             </a:pPr>
             <a:r>
               <a:rPr lang="en-US" dirty="0"/>
-              <a:t>1. Rating Page( professor-subject / professor)</a:t>
+              <a:t>1. Rating Page/Reviews( professor-subject / professor)</a:t>
             </a:r>
           </a:p>
           <a:p>
@@ -12907,7 +12883,7 @@
             </a:pPr>
             <a:r>
               <a:rPr lang="en-US" dirty="0"/>
-              <a:t>2. Reviews ( professor-subject / professor)</a:t>
+              <a:t>2. Add Rate/Drop Rate of classes.</a:t>
             </a:r>
           </a:p>
           <a:p>
@@ -12916,16 +12892,7 @@
             </a:pPr>
             <a:r>
               <a:rPr lang="en-US" dirty="0"/>
-              <a:t>3. Add Rate/Drop Rate of classes.</a:t>
-            </a:r>
-          </a:p>
-          <a:p>
-            <a:pPr marL="0" indent="0">
-              <a:buNone/>
-            </a:pPr>
-            <a:r>
-              <a:rPr lang="en-US" dirty="0"/>
-              <a:t>4. Swap Forum</a:t>
+              <a:t>3. Swap Forum</a:t>
             </a:r>
           </a:p>
         </p:txBody>
@@ -12934,6 +12901,376 @@
     <p:extLst>
       <p:ext uri="{BB962C8B-B14F-4D97-AF65-F5344CB8AC3E}">
         <p14:creationId xmlns:p14="http://schemas.microsoft.com/office/powerpoint/2010/main" val="204567370"/>
+      </p:ext>
+    </p:extLst>
+  </p:cSld>
+  <p:clrMapOvr>
+    <a:masterClrMapping/>
+  </p:clrMapOvr>
+</p:sld>
+</file>
+
+<file path=ppt/slides/slide6.xml><?xml version="1.0" encoding="utf-8"?>
+<p:sld xmlns:a="http://schemas.openxmlformats.org/drawingml/2006/main" xmlns:r="http://schemas.openxmlformats.org/officeDocument/2006/relationships" xmlns:p="http://schemas.openxmlformats.org/presentationml/2006/main">
+  <p:cSld>
+    <p:spTree>
+      <p:nvGrpSpPr>
+        <p:cNvPr id="1" name=""/>
+        <p:cNvGrpSpPr/>
+        <p:nvPr/>
+      </p:nvGrpSpPr>
+      <p:grpSpPr>
+        <a:xfrm>
+          <a:off x="0" y="0"/>
+          <a:ext cx="0" cy="0"/>
+          <a:chOff x="0" y="0"/>
+          <a:chExt cx="0" cy="0"/>
+        </a:xfrm>
+      </p:grpSpPr>
+      <p:sp>
+        <p:nvSpPr>
+          <p:cNvPr id="2" name="Title 1">
+            <a:extLst>
+              <a:ext uri="{FF2B5EF4-FFF2-40B4-BE49-F238E27FC236}">
+                <a16:creationId xmlns:a16="http://schemas.microsoft.com/office/drawing/2014/main" id="{21C28F7F-C7D2-4792-B56C-A8F193D29D17}"/>
+              </a:ext>
+            </a:extLst>
+          </p:cNvPr>
+          <p:cNvSpPr>
+            <a:spLocks noGrp="1"/>
+          </p:cNvSpPr>
+          <p:nvPr>
+            <p:ph type="title"/>
+          </p:nvPr>
+        </p:nvSpPr>
+        <p:spPr/>
+        <p:txBody>
+          <a:bodyPr>
+            <a:normAutofit fontScale="90000"/>
+          </a:bodyPr>
+          <a:lstStyle/>
+          <a:p>
+            <a:r>
+              <a:rPr lang="en-US" dirty="0"/>
+              <a:t>1. Rating Page/Reviews( professor-subject / professor)</a:t>
+            </a:r>
+            <a:br>
+              <a:rPr lang="en-US" dirty="0"/>
+            </a:br>
+            <a:endParaRPr lang="en-US" dirty="0"/>
+          </a:p>
+        </p:txBody>
+      </p:sp>
+      <p:sp>
+        <p:nvSpPr>
+          <p:cNvPr id="3" name="Content Placeholder 2">
+            <a:extLst>
+              <a:ext uri="{FF2B5EF4-FFF2-40B4-BE49-F238E27FC236}">
+                <a16:creationId xmlns:a16="http://schemas.microsoft.com/office/drawing/2014/main" id="{F9CBFCCF-0BDF-4CB1-ADC0-869BB2699EF0}"/>
+              </a:ext>
+            </a:extLst>
+          </p:cNvPr>
+          <p:cNvSpPr>
+            <a:spLocks noGrp="1"/>
+          </p:cNvSpPr>
+          <p:nvPr>
+            <p:ph idx="1"/>
+          </p:nvPr>
+        </p:nvSpPr>
+        <p:spPr>
+          <a:xfrm>
+            <a:off x="1141413" y="2292349"/>
+            <a:ext cx="9905999" cy="3541714"/>
+          </a:xfrm>
+        </p:spPr>
+        <p:txBody>
+          <a:bodyPr/>
+          <a:lstStyle/>
+          <a:p>
+            <a:pPr marL="0" indent="0">
+              <a:buNone/>
+            </a:pPr>
+            <a:r>
+              <a:rPr lang="en-US" dirty="0"/>
+              <a:t>Fields Required:</a:t>
+            </a:r>
+          </a:p>
+          <a:p>
+            <a:pPr marL="457200" indent="-457200">
+              <a:buAutoNum type="arabicPeriod"/>
+            </a:pPr>
+            <a:r>
+              <a:rPr lang="en-US" dirty="0"/>
+              <a:t>Rating </a:t>
+            </a:r>
+          </a:p>
+          <a:p>
+            <a:pPr marL="457200" indent="-457200">
+              <a:buAutoNum type="arabicPeriod"/>
+            </a:pPr>
+            <a:r>
+              <a:rPr lang="en-US" dirty="0"/>
+              <a:t>Reviews</a:t>
+            </a:r>
+          </a:p>
+          <a:p>
+            <a:pPr marL="457200" indent="-457200">
+              <a:buAutoNum type="arabicPeriod"/>
+            </a:pPr>
+            <a:r>
+              <a:rPr lang="en-US" dirty="0"/>
+              <a:t> Class</a:t>
+            </a:r>
+          </a:p>
+          <a:p>
+            <a:pPr marL="457200" indent="-457200">
+              <a:buAutoNum type="arabicPeriod"/>
+            </a:pPr>
+            <a:r>
+              <a:rPr lang="en-US" dirty="0"/>
+              <a:t>Professor</a:t>
+            </a:r>
+          </a:p>
+          <a:p>
+            <a:pPr marL="457200" indent="-457200">
+              <a:buAutoNum type="arabicPeriod"/>
+            </a:pPr>
+            <a:r>
+              <a:rPr lang="en-US" dirty="0"/>
+              <a:t>Term</a:t>
+            </a:r>
+          </a:p>
+        </p:txBody>
+      </p:sp>
+    </p:spTree>
+    <p:extLst>
+      <p:ext uri="{BB962C8B-B14F-4D97-AF65-F5344CB8AC3E}">
+        <p14:creationId xmlns:p14="http://schemas.microsoft.com/office/powerpoint/2010/main" val="2007662932"/>
+      </p:ext>
+    </p:extLst>
+  </p:cSld>
+  <p:clrMapOvr>
+    <a:masterClrMapping/>
+  </p:clrMapOvr>
+</p:sld>
+</file>
+
+<file path=ppt/slides/slide7.xml><?xml version="1.0" encoding="utf-8"?>
+<p:sld xmlns:a="http://schemas.openxmlformats.org/drawingml/2006/main" xmlns:r="http://schemas.openxmlformats.org/officeDocument/2006/relationships" xmlns:p="http://schemas.openxmlformats.org/presentationml/2006/main">
+  <p:cSld>
+    <p:spTree>
+      <p:nvGrpSpPr>
+        <p:cNvPr id="1" name=""/>
+        <p:cNvGrpSpPr/>
+        <p:nvPr/>
+      </p:nvGrpSpPr>
+      <p:grpSpPr>
+        <a:xfrm>
+          <a:off x="0" y="0"/>
+          <a:ext cx="0" cy="0"/>
+          <a:chOff x="0" y="0"/>
+          <a:chExt cx="0" cy="0"/>
+        </a:xfrm>
+      </p:grpSpPr>
+      <p:sp>
+        <p:nvSpPr>
+          <p:cNvPr id="2" name="Title 1">
+            <a:extLst>
+              <a:ext uri="{FF2B5EF4-FFF2-40B4-BE49-F238E27FC236}">
+                <a16:creationId xmlns:a16="http://schemas.microsoft.com/office/drawing/2014/main" id="{DE9F3B4E-1D37-48ED-82A9-7A63D1267803}"/>
+              </a:ext>
+            </a:extLst>
+          </p:cNvPr>
+          <p:cNvSpPr>
+            <a:spLocks noGrp="1"/>
+          </p:cNvSpPr>
+          <p:nvPr>
+            <p:ph type="title"/>
+          </p:nvPr>
+        </p:nvSpPr>
+        <p:spPr/>
+        <p:txBody>
+          <a:bodyPr/>
+          <a:lstStyle/>
+          <a:p>
+            <a:r>
+              <a:rPr lang="en-US" dirty="0"/>
+              <a:t>2. Add Rate/Drop Rate of classes.</a:t>
+            </a:r>
+            <a:br>
+              <a:rPr lang="en-US" dirty="0"/>
+            </a:br>
+            <a:endParaRPr lang="en-US" dirty="0"/>
+          </a:p>
+        </p:txBody>
+      </p:sp>
+      <p:sp>
+        <p:nvSpPr>
+          <p:cNvPr id="3" name="Content Placeholder 2">
+            <a:extLst>
+              <a:ext uri="{FF2B5EF4-FFF2-40B4-BE49-F238E27FC236}">
+                <a16:creationId xmlns:a16="http://schemas.microsoft.com/office/drawing/2014/main" id="{5C8E1348-50A1-442C-96C7-E394FCDB3B62}"/>
+              </a:ext>
+            </a:extLst>
+          </p:cNvPr>
+          <p:cNvSpPr>
+            <a:spLocks noGrp="1"/>
+          </p:cNvSpPr>
+          <p:nvPr>
+            <p:ph idx="1"/>
+          </p:nvPr>
+        </p:nvSpPr>
+        <p:spPr/>
+        <p:txBody>
+          <a:bodyPr/>
+          <a:lstStyle/>
+          <a:p>
+            <a:pPr marL="0" indent="0">
+              <a:buNone/>
+            </a:pPr>
+            <a:r>
+              <a:rPr lang="en-US" dirty="0"/>
+              <a:t>Fields Required:</a:t>
+            </a:r>
+          </a:p>
+          <a:p>
+            <a:pPr marL="457200" indent="-457200">
+              <a:buAutoNum type="arabicPeriod"/>
+            </a:pPr>
+            <a:r>
+              <a:rPr lang="en-US" dirty="0"/>
+              <a:t>Class</a:t>
+            </a:r>
+          </a:p>
+          <a:p>
+            <a:pPr marL="457200" indent="-457200">
+              <a:buAutoNum type="arabicPeriod"/>
+            </a:pPr>
+            <a:r>
+              <a:rPr lang="en-US" dirty="0"/>
+              <a:t>Professor</a:t>
+            </a:r>
+          </a:p>
+          <a:p>
+            <a:pPr marL="457200" indent="-457200">
+              <a:buAutoNum type="arabicPeriod"/>
+            </a:pPr>
+            <a:r>
+              <a:rPr lang="en-US" dirty="0"/>
+              <a:t>Term</a:t>
+            </a:r>
+          </a:p>
+          <a:p>
+            <a:pPr marL="457200" indent="-457200">
+              <a:buAutoNum type="arabicPeriod"/>
+            </a:pPr>
+            <a:r>
+              <a:rPr lang="en-US" dirty="0"/>
+              <a:t>Add Rate</a:t>
+            </a:r>
+          </a:p>
+          <a:p>
+            <a:pPr marL="457200" indent="-457200">
+              <a:buAutoNum type="arabicPeriod"/>
+            </a:pPr>
+            <a:r>
+              <a:rPr lang="en-US" dirty="0"/>
+              <a:t>Drop Rate</a:t>
+            </a:r>
+          </a:p>
+        </p:txBody>
+      </p:sp>
+    </p:spTree>
+    <p:extLst>
+      <p:ext uri="{BB962C8B-B14F-4D97-AF65-F5344CB8AC3E}">
+        <p14:creationId xmlns:p14="http://schemas.microsoft.com/office/powerpoint/2010/main" val="3040356531"/>
+      </p:ext>
+    </p:extLst>
+  </p:cSld>
+  <p:clrMapOvr>
+    <a:masterClrMapping/>
+  </p:clrMapOvr>
+</p:sld>
+</file>
+
+<file path=ppt/slides/slide8.xml><?xml version="1.0" encoding="utf-8"?>
+<p:sld xmlns:a="http://schemas.openxmlformats.org/drawingml/2006/main" xmlns:r="http://schemas.openxmlformats.org/officeDocument/2006/relationships" xmlns:p="http://schemas.openxmlformats.org/presentationml/2006/main">
+  <p:cSld>
+    <p:spTree>
+      <p:nvGrpSpPr>
+        <p:cNvPr id="1" name=""/>
+        <p:cNvGrpSpPr/>
+        <p:nvPr/>
+      </p:nvGrpSpPr>
+      <p:grpSpPr>
+        <a:xfrm>
+          <a:off x="0" y="0"/>
+          <a:ext cx="0" cy="0"/>
+          <a:chOff x="0" y="0"/>
+          <a:chExt cx="0" cy="0"/>
+        </a:xfrm>
+      </p:grpSpPr>
+      <p:sp>
+        <p:nvSpPr>
+          <p:cNvPr id="2" name="Title 1">
+            <a:extLst>
+              <a:ext uri="{FF2B5EF4-FFF2-40B4-BE49-F238E27FC236}">
+                <a16:creationId xmlns:a16="http://schemas.microsoft.com/office/drawing/2014/main" id="{23C3A1F5-93B9-4159-8E86-2120BA4EB2AC}"/>
+              </a:ext>
+            </a:extLst>
+          </p:cNvPr>
+          <p:cNvSpPr>
+            <a:spLocks noGrp="1"/>
+          </p:cNvSpPr>
+          <p:nvPr>
+            <p:ph type="title"/>
+          </p:nvPr>
+        </p:nvSpPr>
+        <p:spPr/>
+        <p:txBody>
+          <a:bodyPr/>
+          <a:lstStyle/>
+          <a:p>
+            <a:r>
+              <a:rPr lang="en-US" dirty="0"/>
+              <a:t>3. Swap Forum</a:t>
+            </a:r>
+            <a:br>
+              <a:rPr lang="en-US" dirty="0"/>
+            </a:br>
+            <a:endParaRPr lang="en-US" dirty="0"/>
+          </a:p>
+        </p:txBody>
+      </p:sp>
+      <p:sp>
+        <p:nvSpPr>
+          <p:cNvPr id="3" name="Content Placeholder 2">
+            <a:extLst>
+              <a:ext uri="{FF2B5EF4-FFF2-40B4-BE49-F238E27FC236}">
+                <a16:creationId xmlns:a16="http://schemas.microsoft.com/office/drawing/2014/main" id="{28F9C06D-C142-457B-9575-3B4B31D9A498}"/>
+              </a:ext>
+            </a:extLst>
+          </p:cNvPr>
+          <p:cNvSpPr>
+            <a:spLocks noGrp="1"/>
+          </p:cNvSpPr>
+          <p:nvPr>
+            <p:ph idx="1"/>
+          </p:nvPr>
+        </p:nvSpPr>
+        <p:spPr/>
+        <p:txBody>
+          <a:bodyPr/>
+          <a:lstStyle/>
+          <a:p>
+            <a:endParaRPr lang="en-US" dirty="0"/>
+          </a:p>
+        </p:txBody>
+      </p:sp>
+    </p:spTree>
+    <p:extLst>
+      <p:ext uri="{BB962C8B-B14F-4D97-AF65-F5344CB8AC3E}">
+        <p14:creationId xmlns:p14="http://schemas.microsoft.com/office/powerpoint/2010/main" val="3066661455"/>
       </p:ext>
     </p:extLst>
   </p:cSld>
